--- a/Building Intelligent Applications with LangChain and LLMs.pptx
+++ b/Building Intelligent Applications with LangChain and LLMs.pptx
@@ -113,6 +113,11 @@
       </a:defRPr>
     </a:lvl9pPr>
   </p:defaultTextStyle>
+  <p:extLst>
+    <p:ext uri="{EFAFB233-063F-42B5-8137-9DF3F51BA10A}">
+      <p15:sldGuideLst xmlns:p15="http://schemas.microsoft.com/office/powerpoint/2012/main"/>
+    </p:ext>
+  </p:extLst>
 </p:presentation>
 </file>
 
@@ -198,7 +203,7 @@
           <a:p>
             <a:fld id="{C9FCA2CD-20C6-4A01-9AD4-EDA6FE797660}" type="datetimeFigureOut">
               <a:rPr lang="en-IN" smtClean="0"/>
-              <a:t>14-07-2025</a:t>
+              <a:t>16-07-2025</a:t>
             </a:fld>
             <a:endParaRPr lang="en-IN" dirty="0"/>
           </a:p>
@@ -776,7 +781,7 @@
           <a:p>
             <a:fld id="{1C2BA4F2-DC74-4EC7-B226-01AE9651D67D}" type="datetimeFigureOut">
               <a:rPr lang="en-IN" smtClean="0"/>
-              <a:t>14-07-2025</a:t>
+              <a:t>16-07-2025</a:t>
             </a:fld>
             <a:endParaRPr lang="en-IN" dirty="0"/>
           </a:p>
@@ -984,7 +989,7 @@
           <a:p>
             <a:fld id="{1C2BA4F2-DC74-4EC7-B226-01AE9651D67D}" type="datetimeFigureOut">
               <a:rPr lang="en-IN" smtClean="0"/>
-              <a:t>14-07-2025</a:t>
+              <a:t>16-07-2025</a:t>
             </a:fld>
             <a:endParaRPr lang="en-IN" dirty="0"/>
           </a:p>
@@ -1240,7 +1245,7 @@
           <a:p>
             <a:fld id="{1C2BA4F2-DC74-4EC7-B226-01AE9651D67D}" type="datetimeFigureOut">
               <a:rPr lang="en-IN" smtClean="0"/>
-              <a:t>14-07-2025</a:t>
+              <a:t>16-07-2025</a:t>
             </a:fld>
             <a:endParaRPr lang="en-IN" dirty="0"/>
           </a:p>
@@ -1414,7 +1419,7 @@
           <a:p>
             <a:fld id="{1C2BA4F2-DC74-4EC7-B226-01AE9651D67D}" type="datetimeFigureOut">
               <a:rPr lang="en-IN" smtClean="0"/>
-              <a:t>14-07-2025</a:t>
+              <a:t>16-07-2025</a:t>
             </a:fld>
             <a:endParaRPr lang="en-IN" dirty="0"/>
           </a:p>
@@ -1757,7 +1762,7 @@
           <a:p>
             <a:fld id="{1C2BA4F2-DC74-4EC7-B226-01AE9651D67D}" type="datetimeFigureOut">
               <a:rPr lang="en-IN" smtClean="0"/>
-              <a:t>14-07-2025</a:t>
+              <a:t>16-07-2025</a:t>
             </a:fld>
             <a:endParaRPr lang="en-IN" dirty="0"/>
           </a:p>
@@ -2032,7 +2037,7 @@
           <a:p>
             <a:fld id="{1C2BA4F2-DC74-4EC7-B226-01AE9651D67D}" type="datetimeFigureOut">
               <a:rPr lang="en-IN" smtClean="0"/>
-              <a:t>14-07-2025</a:t>
+              <a:t>16-07-2025</a:t>
             </a:fld>
             <a:endParaRPr lang="en-IN" dirty="0"/>
           </a:p>
@@ -2411,7 +2416,7 @@
           <a:p>
             <a:fld id="{1C2BA4F2-DC74-4EC7-B226-01AE9651D67D}" type="datetimeFigureOut">
               <a:rPr lang="en-IN" smtClean="0"/>
-              <a:t>14-07-2025</a:t>
+              <a:t>16-07-2025</a:t>
             </a:fld>
             <a:endParaRPr lang="en-IN" dirty="0"/>
           </a:p>
@@ -2529,7 +2534,7 @@
           <a:p>
             <a:fld id="{1C2BA4F2-DC74-4EC7-B226-01AE9651D67D}" type="datetimeFigureOut">
               <a:rPr lang="en-IN" smtClean="0"/>
-              <a:t>14-07-2025</a:t>
+              <a:t>16-07-2025</a:t>
             </a:fld>
             <a:endParaRPr lang="en-IN" dirty="0"/>
           </a:p>
@@ -2700,7 +2705,7 @@
           <a:p>
             <a:fld id="{1C2BA4F2-DC74-4EC7-B226-01AE9651D67D}" type="datetimeFigureOut">
               <a:rPr lang="en-IN" smtClean="0"/>
-              <a:t>14-07-2025</a:t>
+              <a:t>16-07-2025</a:t>
             </a:fld>
             <a:endParaRPr lang="en-IN" dirty="0"/>
           </a:p>
@@ -3054,7 +3059,7 @@
           <a:p>
             <a:fld id="{1C2BA4F2-DC74-4EC7-B226-01AE9651D67D}" type="datetimeFigureOut">
               <a:rPr lang="en-IN" smtClean="0"/>
-              <a:t>14-07-2025</a:t>
+              <a:t>16-07-2025</a:t>
             </a:fld>
             <a:endParaRPr lang="en-IN" dirty="0"/>
           </a:p>
@@ -3435,7 +3440,7 @@
           <a:p>
             <a:fld id="{1C2BA4F2-DC74-4EC7-B226-01AE9651D67D}" type="datetimeFigureOut">
               <a:rPr lang="en-IN" smtClean="0"/>
-              <a:t>14-07-2025</a:t>
+              <a:t>16-07-2025</a:t>
             </a:fld>
             <a:endParaRPr lang="en-IN" dirty="0"/>
           </a:p>
@@ -3722,7 +3727,7 @@
           <a:p>
             <a:fld id="{1C2BA4F2-DC74-4EC7-B226-01AE9651D67D}" type="datetimeFigureOut">
               <a:rPr lang="en-IN" smtClean="0"/>
-              <a:t>14-07-2025</a:t>
+              <a:t>16-07-2025</a:t>
             </a:fld>
             <a:endParaRPr lang="en-IN" dirty="0"/>
           </a:p>
@@ -4453,7 +4458,7 @@
             </a:pPr>
             <a:r>
               <a:rPr lang="en-IN" dirty="0"/>
-              <a:t>  Research Assistant IIT Patna, Mandi, Jodhpur, Dhanbad, DRDO and KCL London</a:t>
+              <a:t>  Research Assistant at IIT Patna, Mandi, Jodhpur, Dhanbad, DRDO and KCL London</a:t>
             </a:r>
           </a:p>
           <a:p>
@@ -4466,7 +4471,7 @@
             </a:pPr>
             <a:r>
               <a:rPr lang="en-IN" dirty="0"/>
-              <a:t>  Research Head @DJSACM</a:t>
+              <a:t>  Research Head at DJSACM</a:t>
             </a:r>
           </a:p>
           <a:p>
@@ -4858,8 +4863,12 @@
               <a:buChar char="•"/>
             </a:pPr>
             <a:r>
+              <a:rPr lang="en-GB"/>
+              <a:t>  Manage </a:t>
+            </a:r>
+            <a:r>
               <a:rPr lang="en-GB" dirty="0"/>
-              <a:t>  Helps manage prompts, memory, chains, tools, and agents</a:t>
+              <a:t>prompts, memory, chains, tools, and agents</a:t>
             </a:r>
           </a:p>
           <a:p>

--- a/Building Intelligent Applications with LangChain and LLMs.pptx
+++ b/Building Intelligent Applications with LangChain and LLMs.pptx
@@ -203,7 +203,7 @@
           <a:p>
             <a:fld id="{C9FCA2CD-20C6-4A01-9AD4-EDA6FE797660}" type="datetimeFigureOut">
               <a:rPr lang="en-IN" smtClean="0"/>
-              <a:t>16-07-2025</a:t>
+              <a:t>17-07-2025</a:t>
             </a:fld>
             <a:endParaRPr lang="en-IN" dirty="0"/>
           </a:p>
@@ -781,7 +781,7 @@
           <a:p>
             <a:fld id="{1C2BA4F2-DC74-4EC7-B226-01AE9651D67D}" type="datetimeFigureOut">
               <a:rPr lang="en-IN" smtClean="0"/>
-              <a:t>16-07-2025</a:t>
+              <a:t>17-07-2025</a:t>
             </a:fld>
             <a:endParaRPr lang="en-IN" dirty="0"/>
           </a:p>
@@ -989,7 +989,7 @@
           <a:p>
             <a:fld id="{1C2BA4F2-DC74-4EC7-B226-01AE9651D67D}" type="datetimeFigureOut">
               <a:rPr lang="en-IN" smtClean="0"/>
-              <a:t>16-07-2025</a:t>
+              <a:t>17-07-2025</a:t>
             </a:fld>
             <a:endParaRPr lang="en-IN" dirty="0"/>
           </a:p>
@@ -1245,7 +1245,7 @@
           <a:p>
             <a:fld id="{1C2BA4F2-DC74-4EC7-B226-01AE9651D67D}" type="datetimeFigureOut">
               <a:rPr lang="en-IN" smtClean="0"/>
-              <a:t>16-07-2025</a:t>
+              <a:t>17-07-2025</a:t>
             </a:fld>
             <a:endParaRPr lang="en-IN" dirty="0"/>
           </a:p>
@@ -1419,7 +1419,7 @@
           <a:p>
             <a:fld id="{1C2BA4F2-DC74-4EC7-B226-01AE9651D67D}" type="datetimeFigureOut">
               <a:rPr lang="en-IN" smtClean="0"/>
-              <a:t>16-07-2025</a:t>
+              <a:t>17-07-2025</a:t>
             </a:fld>
             <a:endParaRPr lang="en-IN" dirty="0"/>
           </a:p>
@@ -1762,7 +1762,7 @@
           <a:p>
             <a:fld id="{1C2BA4F2-DC74-4EC7-B226-01AE9651D67D}" type="datetimeFigureOut">
               <a:rPr lang="en-IN" smtClean="0"/>
-              <a:t>16-07-2025</a:t>
+              <a:t>17-07-2025</a:t>
             </a:fld>
             <a:endParaRPr lang="en-IN" dirty="0"/>
           </a:p>
@@ -2037,7 +2037,7 @@
           <a:p>
             <a:fld id="{1C2BA4F2-DC74-4EC7-B226-01AE9651D67D}" type="datetimeFigureOut">
               <a:rPr lang="en-IN" smtClean="0"/>
-              <a:t>16-07-2025</a:t>
+              <a:t>17-07-2025</a:t>
             </a:fld>
             <a:endParaRPr lang="en-IN" dirty="0"/>
           </a:p>
@@ -2416,7 +2416,7 @@
           <a:p>
             <a:fld id="{1C2BA4F2-DC74-4EC7-B226-01AE9651D67D}" type="datetimeFigureOut">
               <a:rPr lang="en-IN" smtClean="0"/>
-              <a:t>16-07-2025</a:t>
+              <a:t>17-07-2025</a:t>
             </a:fld>
             <a:endParaRPr lang="en-IN" dirty="0"/>
           </a:p>
@@ -2534,7 +2534,7 @@
           <a:p>
             <a:fld id="{1C2BA4F2-DC74-4EC7-B226-01AE9651D67D}" type="datetimeFigureOut">
               <a:rPr lang="en-IN" smtClean="0"/>
-              <a:t>16-07-2025</a:t>
+              <a:t>17-07-2025</a:t>
             </a:fld>
             <a:endParaRPr lang="en-IN" dirty="0"/>
           </a:p>
@@ -2705,7 +2705,7 @@
           <a:p>
             <a:fld id="{1C2BA4F2-DC74-4EC7-B226-01AE9651D67D}" type="datetimeFigureOut">
               <a:rPr lang="en-IN" smtClean="0"/>
-              <a:t>16-07-2025</a:t>
+              <a:t>17-07-2025</a:t>
             </a:fld>
             <a:endParaRPr lang="en-IN" dirty="0"/>
           </a:p>
@@ -3059,7 +3059,7 @@
           <a:p>
             <a:fld id="{1C2BA4F2-DC74-4EC7-B226-01AE9651D67D}" type="datetimeFigureOut">
               <a:rPr lang="en-IN" smtClean="0"/>
-              <a:t>16-07-2025</a:t>
+              <a:t>17-07-2025</a:t>
             </a:fld>
             <a:endParaRPr lang="en-IN" dirty="0"/>
           </a:p>
@@ -3440,7 +3440,7 @@
           <a:p>
             <a:fld id="{1C2BA4F2-DC74-4EC7-B226-01AE9651D67D}" type="datetimeFigureOut">
               <a:rPr lang="en-IN" smtClean="0"/>
-              <a:t>16-07-2025</a:t>
+              <a:t>17-07-2025</a:t>
             </a:fld>
             <a:endParaRPr lang="en-IN" dirty="0"/>
           </a:p>
@@ -3727,7 +3727,7 @@
           <a:p>
             <a:fld id="{1C2BA4F2-DC74-4EC7-B226-01AE9651D67D}" type="datetimeFigureOut">
               <a:rPr lang="en-IN" smtClean="0"/>
-              <a:t>16-07-2025</a:t>
+              <a:t>17-07-2025</a:t>
             </a:fld>
             <a:endParaRPr lang="en-IN" dirty="0"/>
           </a:p>
@@ -5457,7 +5457,7 @@
         </p:blipFill>
         <p:spPr>
           <a:xfrm>
-            <a:off x="6721473" y="1842785"/>
+            <a:off x="3969308" y="1842785"/>
             <a:ext cx="4022725" cy="3902481"/>
           </a:xfrm>
           <a:prstGeom prst="rect">
@@ -5465,42 +5465,6 @@
           </a:prstGeom>
         </p:spPr>
       </p:pic>
-      <p:sp>
-        <p:nvSpPr>
-          <p:cNvPr id="5" name="TextBox 4">
-            <a:extLst>
-              <a:ext uri="{FF2B5EF4-FFF2-40B4-BE49-F238E27FC236}">
-                <a16:creationId xmlns:a16="http://schemas.microsoft.com/office/drawing/2014/main" id="{5F03FAA5-BC9F-4C8A-9A24-D3B468BDE1A6}"/>
-              </a:ext>
-            </a:extLst>
-          </p:cNvPr>
-          <p:cNvSpPr txBox="1"/>
-          <p:nvPr/>
-        </p:nvSpPr>
-        <p:spPr>
-          <a:xfrm>
-            <a:off x="3309090" y="5865510"/>
-            <a:ext cx="923394" cy="369332"/>
-          </a:xfrm>
-          <a:prstGeom prst="rect">
-            <a:avLst/>
-          </a:prstGeom>
-          <a:noFill/>
-        </p:spPr>
-        <p:txBody>
-          <a:bodyPr wrap="none" rtlCol="0">
-            <a:spAutoFit/>
-          </a:bodyPr>
-          <a:lstStyle/>
-          <a:p>
-            <a:r>
-              <a:rPr lang="en-IN" dirty="0" err="1"/>
-              <a:t>LinkTree</a:t>
-            </a:r>
-            <a:endParaRPr lang="en-IN" dirty="0"/>
-          </a:p>
-        </p:txBody>
-      </p:sp>
       <p:sp>
         <p:nvSpPr>
           <p:cNvPr id="6" name="TextBox 5">
@@ -5515,7 +5479,7 @@
         </p:nvSpPr>
         <p:spPr>
           <a:xfrm>
-            <a:off x="8255909" y="5850691"/>
+            <a:off x="5503744" y="5850691"/>
             <a:ext cx="953851" cy="369332"/>
           </a:xfrm>
           <a:prstGeom prst="rect">
@@ -5536,53 +5500,42 @@
           </a:p>
         </p:txBody>
       </p:sp>
-      <p:pic>
-        <p:nvPicPr>
-          <p:cNvPr id="4098" name="Picture 2">
+      <p:sp>
+        <p:nvSpPr>
+          <p:cNvPr id="3" name="TextBox 2">
             <a:extLst>
               <a:ext uri="{FF2B5EF4-FFF2-40B4-BE49-F238E27FC236}">
-                <a16:creationId xmlns:a16="http://schemas.microsoft.com/office/drawing/2014/main" id="{A0CED86B-85D7-4F40-B306-D7EB1D6D5861}"/>
+                <a16:creationId xmlns:a16="http://schemas.microsoft.com/office/drawing/2014/main" id="{CC6E091F-9072-4267-A345-7BAF05B99403}"/>
               </a:ext>
             </a:extLst>
           </p:cNvPr>
-          <p:cNvPicPr>
-            <a:picLocks noChangeAspect="1" noChangeArrowheads="1"/>
-          </p:cNvPicPr>
+          <p:cNvSpPr txBox="1"/>
           <p:nvPr/>
-        </p:nvPicPr>
-        <p:blipFill>
-          <a:blip r:embed="rId3">
-            <a:extLst>
-              <a:ext uri="{28A0092B-C50C-407E-A947-70E740481C1C}">
-                <a14:useLocalDpi xmlns:a14="http://schemas.microsoft.com/office/drawing/2010/main" val="0"/>
-              </a:ext>
-            </a:extLst>
-          </a:blip>
-          <a:srcRect/>
-          <a:stretch>
-            <a:fillRect/>
-          </a:stretch>
-        </p:blipFill>
-        <p:spPr bwMode="auto">
-          <a:xfrm>
-            <a:off x="1870833" y="1945359"/>
-            <a:ext cx="3799907" cy="3799907"/>
+        </p:nvSpPr>
+        <p:spPr>
+          <a:xfrm>
+            <a:off x="8713694" y="3609359"/>
+            <a:ext cx="1876411" cy="369332"/>
           </a:xfrm>
           <a:prstGeom prst="rect">
             <a:avLst/>
           </a:prstGeom>
           <a:noFill/>
-          <a:extLst>
-            <a:ext uri="{909E8E84-426E-40DD-AFC4-6F175D3DCCD1}">
-              <a14:hiddenFill xmlns:a14="http://schemas.microsoft.com/office/drawing/2010/main">
-                <a:solidFill>
-                  <a:srgbClr val="FFFFFF"/>
-                </a:solidFill>
-              </a14:hiddenFill>
-            </a:ext>
-          </a:extLst>
-        </p:spPr>
-      </p:pic>
+        </p:spPr>
+        <p:txBody>
+          <a:bodyPr wrap="none" rtlCol="0">
+            <a:spAutoFit/>
+          </a:bodyPr>
+          <a:lstStyle/>
+          <a:p>
+            <a:r>
+              <a:rPr lang="en-IN" dirty="0" err="1"/>
+              <a:t>mihirpanchal.tech</a:t>
+            </a:r>
+            <a:endParaRPr lang="en-IN" dirty="0"/>
+          </a:p>
+        </p:txBody>
+      </p:sp>
     </p:spTree>
     <p:extLst>
       <p:ext uri="{BB962C8B-B14F-4D97-AF65-F5344CB8AC3E}">

--- a/Building Intelligent Applications with LangChain and LLMs.pptx
+++ b/Building Intelligent Applications with LangChain and LLMs.pptx
@@ -203,7 +203,7 @@
           <a:p>
             <a:fld id="{C9FCA2CD-20C6-4A01-9AD4-EDA6FE797660}" type="datetimeFigureOut">
               <a:rPr lang="en-IN" smtClean="0"/>
-              <a:t>17-07-2025</a:t>
+              <a:t>19-07-2025</a:t>
             </a:fld>
             <a:endParaRPr lang="en-IN" dirty="0"/>
           </a:p>
@@ -781,7 +781,7 @@
           <a:p>
             <a:fld id="{1C2BA4F2-DC74-4EC7-B226-01AE9651D67D}" type="datetimeFigureOut">
               <a:rPr lang="en-IN" smtClean="0"/>
-              <a:t>17-07-2025</a:t>
+              <a:t>19-07-2025</a:t>
             </a:fld>
             <a:endParaRPr lang="en-IN" dirty="0"/>
           </a:p>
@@ -989,7 +989,7 @@
           <a:p>
             <a:fld id="{1C2BA4F2-DC74-4EC7-B226-01AE9651D67D}" type="datetimeFigureOut">
               <a:rPr lang="en-IN" smtClean="0"/>
-              <a:t>17-07-2025</a:t>
+              <a:t>19-07-2025</a:t>
             </a:fld>
             <a:endParaRPr lang="en-IN" dirty="0"/>
           </a:p>
@@ -1245,7 +1245,7 @@
           <a:p>
             <a:fld id="{1C2BA4F2-DC74-4EC7-B226-01AE9651D67D}" type="datetimeFigureOut">
               <a:rPr lang="en-IN" smtClean="0"/>
-              <a:t>17-07-2025</a:t>
+              <a:t>19-07-2025</a:t>
             </a:fld>
             <a:endParaRPr lang="en-IN" dirty="0"/>
           </a:p>
@@ -1419,7 +1419,7 @@
           <a:p>
             <a:fld id="{1C2BA4F2-DC74-4EC7-B226-01AE9651D67D}" type="datetimeFigureOut">
               <a:rPr lang="en-IN" smtClean="0"/>
-              <a:t>17-07-2025</a:t>
+              <a:t>19-07-2025</a:t>
             </a:fld>
             <a:endParaRPr lang="en-IN" dirty="0"/>
           </a:p>
@@ -1762,7 +1762,7 @@
           <a:p>
             <a:fld id="{1C2BA4F2-DC74-4EC7-B226-01AE9651D67D}" type="datetimeFigureOut">
               <a:rPr lang="en-IN" smtClean="0"/>
-              <a:t>17-07-2025</a:t>
+              <a:t>19-07-2025</a:t>
             </a:fld>
             <a:endParaRPr lang="en-IN" dirty="0"/>
           </a:p>
@@ -2037,7 +2037,7 @@
           <a:p>
             <a:fld id="{1C2BA4F2-DC74-4EC7-B226-01AE9651D67D}" type="datetimeFigureOut">
               <a:rPr lang="en-IN" smtClean="0"/>
-              <a:t>17-07-2025</a:t>
+              <a:t>19-07-2025</a:t>
             </a:fld>
             <a:endParaRPr lang="en-IN" dirty="0"/>
           </a:p>
@@ -2416,7 +2416,7 @@
           <a:p>
             <a:fld id="{1C2BA4F2-DC74-4EC7-B226-01AE9651D67D}" type="datetimeFigureOut">
               <a:rPr lang="en-IN" smtClean="0"/>
-              <a:t>17-07-2025</a:t>
+              <a:t>19-07-2025</a:t>
             </a:fld>
             <a:endParaRPr lang="en-IN" dirty="0"/>
           </a:p>
@@ -2534,7 +2534,7 @@
           <a:p>
             <a:fld id="{1C2BA4F2-DC74-4EC7-B226-01AE9651D67D}" type="datetimeFigureOut">
               <a:rPr lang="en-IN" smtClean="0"/>
-              <a:t>17-07-2025</a:t>
+              <a:t>19-07-2025</a:t>
             </a:fld>
             <a:endParaRPr lang="en-IN" dirty="0"/>
           </a:p>
@@ -2705,7 +2705,7 @@
           <a:p>
             <a:fld id="{1C2BA4F2-DC74-4EC7-B226-01AE9651D67D}" type="datetimeFigureOut">
               <a:rPr lang="en-IN" smtClean="0"/>
-              <a:t>17-07-2025</a:t>
+              <a:t>19-07-2025</a:t>
             </a:fld>
             <a:endParaRPr lang="en-IN" dirty="0"/>
           </a:p>
@@ -3059,7 +3059,7 @@
           <a:p>
             <a:fld id="{1C2BA4F2-DC74-4EC7-B226-01AE9651D67D}" type="datetimeFigureOut">
               <a:rPr lang="en-IN" smtClean="0"/>
-              <a:t>17-07-2025</a:t>
+              <a:t>19-07-2025</a:t>
             </a:fld>
             <a:endParaRPr lang="en-IN" dirty="0"/>
           </a:p>
@@ -3440,7 +3440,7 @@
           <a:p>
             <a:fld id="{1C2BA4F2-DC74-4EC7-B226-01AE9651D67D}" type="datetimeFigureOut">
               <a:rPr lang="en-IN" smtClean="0"/>
-              <a:t>17-07-2025</a:t>
+              <a:t>19-07-2025</a:t>
             </a:fld>
             <a:endParaRPr lang="en-IN" dirty="0"/>
           </a:p>
@@ -3727,7 +3727,7 @@
           <a:p>
             <a:fld id="{1C2BA4F2-DC74-4EC7-B226-01AE9651D67D}" type="datetimeFigureOut">
               <a:rPr lang="en-IN" smtClean="0"/>
-              <a:t>17-07-2025</a:t>
+              <a:t>19-07-2025</a:t>
             </a:fld>
             <a:endParaRPr lang="en-IN" dirty="0"/>
           </a:p>
